--- a/ERP Final.pptx
+++ b/ERP Final.pptx
@@ -219,7 +219,7 @@
             <a:fld id="{FFA49935-37AF-4BCD-A53C-110A3024DA34}" type="datetimeFigureOut">
               <a:rPr lang="en-US" smtClean="0"/>
               <a:pPr/>
-              <a:t>9/11/2013</a:t>
+              <a:t>9/13/2013</a:t>
             </a:fld>
             <a:endParaRPr lang="en-US"/>
           </a:p>
@@ -4467,7 +4467,7 @@
             <a:fld id="{1D8BD707-D9CF-40AE-B4C6-C98DA3205C09}" type="datetimeFigureOut">
               <a:rPr lang="en-US" smtClean="0"/>
               <a:pPr/>
-              <a:t>9/11/2013</a:t>
+              <a:t>9/13/2013</a:t>
             </a:fld>
             <a:endParaRPr lang="en-US"/>
           </a:p>
@@ -4634,7 +4634,7 @@
             <a:fld id="{1D8BD707-D9CF-40AE-B4C6-C98DA3205C09}" type="datetimeFigureOut">
               <a:rPr lang="en-US" smtClean="0"/>
               <a:pPr/>
-              <a:t>9/11/2013</a:t>
+              <a:t>9/13/2013</a:t>
             </a:fld>
             <a:endParaRPr lang="en-US"/>
           </a:p>
@@ -4811,7 +4811,7 @@
             <a:fld id="{1D8BD707-D9CF-40AE-B4C6-C98DA3205C09}" type="datetimeFigureOut">
               <a:rPr lang="en-US" smtClean="0"/>
               <a:pPr/>
-              <a:t>9/11/2013</a:t>
+              <a:t>9/13/2013</a:t>
             </a:fld>
             <a:endParaRPr lang="en-US"/>
           </a:p>
@@ -4978,7 +4978,7 @@
             <a:fld id="{1D8BD707-D9CF-40AE-B4C6-C98DA3205C09}" type="datetimeFigureOut">
               <a:rPr lang="en-US" smtClean="0"/>
               <a:pPr/>
-              <a:t>9/11/2013</a:t>
+              <a:t>9/13/2013</a:t>
             </a:fld>
             <a:endParaRPr lang="en-US"/>
           </a:p>
@@ -5221,7 +5221,7 @@
             <a:fld id="{1D8BD707-D9CF-40AE-B4C6-C98DA3205C09}" type="datetimeFigureOut">
               <a:rPr lang="en-US" smtClean="0"/>
               <a:pPr/>
-              <a:t>9/11/2013</a:t>
+              <a:t>9/13/2013</a:t>
             </a:fld>
             <a:endParaRPr lang="en-US"/>
           </a:p>
@@ -5506,7 +5506,7 @@
             <a:fld id="{1D8BD707-D9CF-40AE-B4C6-C98DA3205C09}" type="datetimeFigureOut">
               <a:rPr lang="en-US" smtClean="0"/>
               <a:pPr/>
-              <a:t>9/11/2013</a:t>
+              <a:t>9/13/2013</a:t>
             </a:fld>
             <a:endParaRPr lang="en-US"/>
           </a:p>
@@ -5925,7 +5925,7 @@
             <a:fld id="{1D8BD707-D9CF-40AE-B4C6-C98DA3205C09}" type="datetimeFigureOut">
               <a:rPr lang="en-US" smtClean="0"/>
               <a:pPr/>
-              <a:t>9/11/2013</a:t>
+              <a:t>9/13/2013</a:t>
             </a:fld>
             <a:endParaRPr lang="en-US"/>
           </a:p>
@@ -6040,7 +6040,7 @@
             <a:fld id="{1D8BD707-D9CF-40AE-B4C6-C98DA3205C09}" type="datetimeFigureOut">
               <a:rPr lang="en-US" smtClean="0"/>
               <a:pPr/>
-              <a:t>9/11/2013</a:t>
+              <a:t>9/13/2013</a:t>
             </a:fld>
             <a:endParaRPr lang="en-US"/>
           </a:p>
@@ -6132,7 +6132,7 @@
             <a:fld id="{1D8BD707-D9CF-40AE-B4C6-C98DA3205C09}" type="datetimeFigureOut">
               <a:rPr lang="en-US" smtClean="0"/>
               <a:pPr/>
-              <a:t>9/11/2013</a:t>
+              <a:t>9/13/2013</a:t>
             </a:fld>
             <a:endParaRPr lang="en-US"/>
           </a:p>
@@ -6406,7 +6406,7 @@
             <a:fld id="{1D8BD707-D9CF-40AE-B4C6-C98DA3205C09}" type="datetimeFigureOut">
               <a:rPr lang="en-US" smtClean="0"/>
               <a:pPr/>
-              <a:t>9/11/2013</a:t>
+              <a:t>9/13/2013</a:t>
             </a:fld>
             <a:endParaRPr lang="en-US"/>
           </a:p>
@@ -6656,7 +6656,7 @@
             <a:fld id="{1D8BD707-D9CF-40AE-B4C6-C98DA3205C09}" type="datetimeFigureOut">
               <a:rPr lang="en-US" smtClean="0"/>
               <a:pPr/>
-              <a:t>9/11/2013</a:t>
+              <a:t>9/13/2013</a:t>
             </a:fld>
             <a:endParaRPr lang="en-US"/>
           </a:p>
@@ -6866,7 +6866,7 @@
             <a:fld id="{1D8BD707-D9CF-40AE-B4C6-C98DA3205C09}" type="datetimeFigureOut">
               <a:rPr lang="en-US" smtClean="0"/>
               <a:pPr/>
-              <a:t>9/11/2013</a:t>
+              <a:t>9/13/2013</a:t>
             </a:fld>
             <a:endParaRPr lang="en-US"/>
           </a:p>
@@ -12396,15 +12396,7 @@
                   <a:srgbClr val="12469A"/>
                 </a:solidFill>
               </a:rPr>
-              <a:t>Basic </a:t>
-            </a:r>
-            <a:r>
-              <a:rPr lang="en-US" sz="1000" u="sng" dirty="0" smtClean="0">
-                <a:solidFill>
-                  <a:srgbClr val="12469A"/>
-                </a:solidFill>
-              </a:rPr>
-              <a:t>pay setting</a:t>
+              <a:t>Basic pay setting</a:t>
             </a:r>
           </a:p>
           <a:p>
@@ -12640,15 +12632,7 @@
                   <a:srgbClr val="12469A"/>
                 </a:solidFill>
               </a:rPr>
-              <a:t>Salary </a:t>
-            </a:r>
-            <a:r>
-              <a:rPr lang="en-US" sz="1000" u="sng" dirty="0" smtClean="0">
-                <a:solidFill>
-                  <a:srgbClr val="12469A"/>
-                </a:solidFill>
-              </a:rPr>
-              <a:t>slips</a:t>
+              <a:t>Salary slips</a:t>
             </a:r>
           </a:p>
           <a:p>
@@ -12743,29 +12727,8 @@
                   <a:srgbClr val="12469A"/>
                 </a:solidFill>
               </a:rPr>
-              <a:t>Upload </a:t>
-            </a:r>
-            <a:r>
-              <a:rPr lang="en-US" sz="1300" b="1" u="sng" dirty="0" smtClean="0">
-                <a:solidFill>
-                  <a:srgbClr val="12469A"/>
-                </a:solidFill>
-              </a:rPr>
-              <a:t>monthly salary deposited </a:t>
-            </a:r>
-            <a:r>
-              <a:rPr lang="en-US" sz="1300" b="1" u="sng" dirty="0" smtClean="0">
-                <a:solidFill>
-                  <a:srgbClr val="12469A"/>
-                </a:solidFill>
-              </a:rPr>
-              <a:t>information</a:t>
-            </a:r>
-            <a:endParaRPr lang="en-US" sz="1300" b="1" u="sng" dirty="0" smtClean="0">
-              <a:solidFill>
-                <a:srgbClr val="12469A"/>
-              </a:solidFill>
-            </a:endParaRPr>
+              <a:t>Upload monthly salary deposited information</a:t>
+            </a:r>
           </a:p>
         </p:txBody>
       </p:sp>
@@ -12802,15 +12765,7 @@
                   <a:srgbClr val="12469A"/>
                 </a:solidFill>
               </a:rPr>
-              <a:t>Applicant </a:t>
-            </a:r>
-            <a:r>
-              <a:rPr lang="en-US" sz="1300" b="1" u="sng" dirty="0" smtClean="0">
-                <a:solidFill>
-                  <a:srgbClr val="12469A"/>
-                </a:solidFill>
-              </a:rPr>
-              <a:t>data bank</a:t>
+              <a:t>Applicant data bank</a:t>
             </a:r>
           </a:p>
           <a:p>
@@ -13327,11 +13282,6 @@
               </a:rPr>
               <a:t>News/Notices</a:t>
             </a:r>
-            <a:endParaRPr lang="en-US" sz="1000" u="sng" dirty="0" smtClean="0">
-              <a:solidFill>
-                <a:srgbClr val="12469A"/>
-              </a:solidFill>
-            </a:endParaRPr>
           </a:p>
           <a:p>
             <a:pPr marL="117475" lvl="1">
@@ -25187,7 +25137,7 @@
         <p:spPr>
           <a:xfrm>
             <a:off x="228600" y="535517"/>
-            <a:ext cx="914400" cy="990600"/>
+            <a:ext cx="1295400" cy="990600"/>
           </a:xfrm>
           <a:prstGeom prst="roundRect">
             <a:avLst/>
@@ -25218,20 +25168,16 @@
           <a:p>
             <a:pPr algn="ctr"/>
             <a:r>
-              <a:rPr lang="en-US" dirty="0" smtClean="0">
-                <a:solidFill>
-                  <a:schemeClr val="tx2">
-                    <a:lumMod val="50000"/>
-                  </a:schemeClr>
-                </a:solidFill>
-              </a:rPr>
-              <a:t>School Logo</a:t>
-            </a:r>
-            <a:endParaRPr lang="en-US" dirty="0">
+              <a:rPr lang="en-US" i="1" dirty="0" smtClean="0">
+                <a:solidFill>
+                  <a:srgbClr val="0000FF"/>
+                </a:solidFill>
+              </a:rPr>
+              <a:t>&lt;School Logo&gt;</a:t>
+            </a:r>
+            <a:endParaRPr lang="en-US" i="1" dirty="0">
               <a:solidFill>
-                <a:schemeClr val="tx2">
-                  <a:lumMod val="50000"/>
-                </a:schemeClr>
+                <a:srgbClr val="0000FF"/>
               </a:solidFill>
             </a:endParaRPr>
           </a:p>
@@ -25341,11 +25287,18 @@
         </p:nvGrpSpPr>
         <p:grpSpPr>
           <a:xfrm>
-            <a:off x="4572000" y="3048000"/>
+            <a:off x="4572000" y="3352800"/>
             <a:ext cx="1066800" cy="1295400"/>
             <a:chOff x="4495800" y="3048000"/>
             <a:chExt cx="1066800" cy="1295400"/>
           </a:xfrm>
+          <a:effectLst>
+            <a:outerShdw blurRad="50800" dist="38100" dir="5400000" algn="t" rotWithShape="0">
+              <a:prstClr val="black">
+                <a:alpha val="40000"/>
+              </a:prstClr>
+            </a:outerShdw>
+          </a:effectLst>
         </p:grpSpPr>
         <p:sp>
           <p:nvSpPr>
@@ -25486,11 +25439,18 @@
         </p:nvGrpSpPr>
         <p:grpSpPr>
           <a:xfrm>
-            <a:off x="5943600" y="1524000"/>
+            <a:off x="5943600" y="1828800"/>
             <a:ext cx="1066800" cy="1295400"/>
             <a:chOff x="5791200" y="1524000"/>
             <a:chExt cx="1066800" cy="1295400"/>
           </a:xfrm>
+          <a:effectLst>
+            <a:outerShdw blurRad="50800" dist="38100" dir="5400000" algn="t" rotWithShape="0">
+              <a:prstClr val="black">
+                <a:alpha val="40000"/>
+              </a:prstClr>
+            </a:outerShdw>
+          </a:effectLst>
         </p:grpSpPr>
         <p:sp>
           <p:nvSpPr>
@@ -25614,8 +25574,8 @@
           </p:blipFill>
           <p:spPr>
             <a:xfrm>
-              <a:off x="5943600" y="1600200"/>
-              <a:ext cx="685800" cy="685800"/>
+              <a:off x="6019800" y="1676400"/>
+              <a:ext cx="609600" cy="609600"/>
             </a:xfrm>
             <a:prstGeom prst="rect">
               <a:avLst/>
@@ -25631,11 +25591,18 @@
         </p:nvGrpSpPr>
         <p:grpSpPr>
           <a:xfrm>
-            <a:off x="1828800" y="3048000"/>
+            <a:off x="1828800" y="3352800"/>
             <a:ext cx="1066800" cy="1295400"/>
             <a:chOff x="1828800" y="3048000"/>
             <a:chExt cx="1066800" cy="1295400"/>
           </a:xfrm>
+          <a:effectLst>
+            <a:outerShdw blurRad="50800" dist="38100" dir="5400000" algn="t" rotWithShape="0">
+              <a:prstClr val="black">
+                <a:alpha val="40000"/>
+              </a:prstClr>
+            </a:outerShdw>
+          </a:effectLst>
         </p:grpSpPr>
         <p:sp>
           <p:nvSpPr>
@@ -25759,8 +25726,8 @@
           </p:blipFill>
           <p:spPr>
             <a:xfrm>
-              <a:off x="1981200" y="3124200"/>
-              <a:ext cx="762000" cy="762000"/>
+              <a:off x="2057400" y="3200400"/>
+              <a:ext cx="685800" cy="685800"/>
             </a:xfrm>
             <a:prstGeom prst="rect">
               <a:avLst/>
@@ -25776,7 +25743,7 @@
         </p:nvSpPr>
         <p:spPr>
           <a:xfrm>
-            <a:off x="1219200" y="164068"/>
+            <a:off x="1488682" y="164068"/>
             <a:ext cx="2778518" cy="369332"/>
           </a:xfrm>
           <a:prstGeom prst="rect">
@@ -25868,11 +25835,18 @@
         </p:nvGrpSpPr>
         <p:grpSpPr>
           <a:xfrm>
-            <a:off x="4572000" y="1524000"/>
+            <a:off x="4572000" y="1828800"/>
             <a:ext cx="1066800" cy="1295400"/>
             <a:chOff x="4495800" y="1524000"/>
             <a:chExt cx="1066800" cy="1295400"/>
           </a:xfrm>
+          <a:effectLst>
+            <a:outerShdw blurRad="50800" dist="38100" dir="5400000" algn="t" rotWithShape="0">
+              <a:prstClr val="black">
+                <a:alpha val="40000"/>
+              </a:prstClr>
+            </a:outerShdw>
+          </a:effectLst>
         </p:grpSpPr>
         <p:sp>
           <p:nvSpPr>
@@ -25996,8 +25970,8 @@
           </p:blipFill>
           <p:spPr>
             <a:xfrm>
-              <a:off x="4648200" y="1524000"/>
-              <a:ext cx="762000" cy="762000"/>
+              <a:off x="4724400" y="1600200"/>
+              <a:ext cx="685800" cy="685800"/>
             </a:xfrm>
             <a:prstGeom prst="rect">
               <a:avLst/>
@@ -26013,11 +25987,18 @@
         </p:nvGrpSpPr>
         <p:grpSpPr>
           <a:xfrm>
-            <a:off x="1828800" y="1524000"/>
+            <a:off x="1828800" y="1828800"/>
             <a:ext cx="1066800" cy="1295400"/>
             <a:chOff x="1828800" y="1524000"/>
             <a:chExt cx="1066800" cy="1295400"/>
           </a:xfrm>
+          <a:effectLst>
+            <a:outerShdw blurRad="50800" dist="38100" dir="5400000" algn="t" rotWithShape="0">
+              <a:prstClr val="black">
+                <a:alpha val="40000"/>
+              </a:prstClr>
+            </a:outerShdw>
+          </a:effectLst>
         </p:grpSpPr>
         <p:sp>
           <p:nvSpPr>
@@ -26141,8 +26122,8 @@
           </p:blipFill>
           <p:spPr>
             <a:xfrm>
-              <a:off x="1905000" y="1524000"/>
-              <a:ext cx="838200" cy="838200"/>
+              <a:off x="1981200" y="1600200"/>
+              <a:ext cx="762000" cy="762000"/>
             </a:xfrm>
             <a:prstGeom prst="rect">
               <a:avLst/>
@@ -26158,11 +26139,18 @@
         </p:nvGrpSpPr>
         <p:grpSpPr>
           <a:xfrm>
-            <a:off x="1828800" y="4572000"/>
+            <a:off x="1828800" y="4876800"/>
             <a:ext cx="1066800" cy="1295400"/>
             <a:chOff x="1905000" y="4572000"/>
             <a:chExt cx="1066800" cy="1295400"/>
           </a:xfrm>
+          <a:effectLst>
+            <a:outerShdw blurRad="50800" dist="38100" dir="5400000" algn="t" rotWithShape="0">
+              <a:prstClr val="black">
+                <a:alpha val="40000"/>
+              </a:prstClr>
+            </a:outerShdw>
+          </a:effectLst>
         </p:grpSpPr>
         <p:sp>
           <p:nvSpPr>
@@ -26286,8 +26274,8 @@
           </p:blipFill>
           <p:spPr>
             <a:xfrm>
-              <a:off x="2057400" y="4648200"/>
-              <a:ext cx="685800" cy="685800"/>
+              <a:off x="2133600" y="4724400"/>
+              <a:ext cx="609600" cy="609600"/>
             </a:xfrm>
             <a:prstGeom prst="rect">
               <a:avLst/>
@@ -26303,11 +26291,18 @@
         </p:nvGrpSpPr>
         <p:grpSpPr>
           <a:xfrm>
-            <a:off x="3200400" y="4572000"/>
+            <a:off x="3200400" y="4876800"/>
             <a:ext cx="1066800" cy="1295400"/>
             <a:chOff x="3200400" y="4572000"/>
             <a:chExt cx="1066800" cy="1295400"/>
           </a:xfrm>
+          <a:effectLst>
+            <a:outerShdw blurRad="50800" dist="38100" dir="5400000" algn="t" rotWithShape="0">
+              <a:prstClr val="black">
+                <a:alpha val="40000"/>
+              </a:prstClr>
+            </a:outerShdw>
+          </a:effectLst>
         </p:grpSpPr>
         <p:sp>
           <p:nvSpPr>
@@ -26448,11 +26443,18 @@
         </p:nvGrpSpPr>
         <p:grpSpPr>
           <a:xfrm>
-            <a:off x="5943600" y="4572000"/>
+            <a:off x="5943600" y="4876800"/>
             <a:ext cx="1066800" cy="1295400"/>
             <a:chOff x="5791200" y="4572000"/>
             <a:chExt cx="1066800" cy="1295400"/>
           </a:xfrm>
+          <a:effectLst>
+            <a:outerShdw blurRad="50800" dist="38100" dir="5400000" algn="t" rotWithShape="0">
+              <a:prstClr val="black">
+                <a:alpha val="40000"/>
+              </a:prstClr>
+            </a:outerShdw>
+          </a:effectLst>
         </p:grpSpPr>
         <p:sp>
           <p:nvSpPr>
@@ -26593,11 +26595,18 @@
         </p:nvGrpSpPr>
         <p:grpSpPr>
           <a:xfrm>
-            <a:off x="4572000" y="4572000"/>
+            <a:off x="4572000" y="4876800"/>
             <a:ext cx="1066800" cy="1295400"/>
             <a:chOff x="4572000" y="4572000"/>
             <a:chExt cx="1066800" cy="1295400"/>
           </a:xfrm>
+          <a:effectLst>
+            <a:outerShdw blurRad="50800" dist="38100" dir="5400000" algn="t" rotWithShape="0">
+              <a:prstClr val="black">
+                <a:alpha val="40000"/>
+              </a:prstClr>
+            </a:outerShdw>
+          </a:effectLst>
         </p:grpSpPr>
         <p:sp>
           <p:nvSpPr>
@@ -26738,11 +26747,18 @@
         </p:nvGrpSpPr>
         <p:grpSpPr>
           <a:xfrm>
-            <a:off x="3200400" y="3048000"/>
+            <a:off x="3200400" y="3352800"/>
             <a:ext cx="1066800" cy="1295400"/>
             <a:chOff x="3200400" y="3048000"/>
             <a:chExt cx="1066800" cy="1295400"/>
           </a:xfrm>
+          <a:effectLst>
+            <a:outerShdw blurRad="50800" dist="38100" dir="5400000" algn="t" rotWithShape="0">
+              <a:prstClr val="black">
+                <a:alpha val="40000"/>
+              </a:prstClr>
+            </a:outerShdw>
+          </a:effectLst>
         </p:grpSpPr>
         <p:sp>
           <p:nvSpPr>
@@ -26866,8 +26882,8 @@
           </p:blipFill>
           <p:spPr>
             <a:xfrm>
-              <a:off x="3352800" y="3124200"/>
-              <a:ext cx="685800" cy="685800"/>
+              <a:off x="3429000" y="3200400"/>
+              <a:ext cx="609600" cy="609600"/>
             </a:xfrm>
             <a:prstGeom prst="rect">
               <a:avLst/>
@@ -26883,11 +26899,18 @@
         </p:nvGrpSpPr>
         <p:grpSpPr>
           <a:xfrm>
-            <a:off x="5943600" y="3048000"/>
+            <a:off x="5943600" y="3352800"/>
             <a:ext cx="1066800" cy="1295400"/>
             <a:chOff x="5943600" y="3048000"/>
             <a:chExt cx="1066800" cy="1295400"/>
           </a:xfrm>
+          <a:effectLst>
+            <a:outerShdw blurRad="50800" dist="38100" dir="5400000" algn="t" rotWithShape="0">
+              <a:prstClr val="black">
+                <a:alpha val="40000"/>
+              </a:prstClr>
+            </a:outerShdw>
+          </a:effectLst>
         </p:grpSpPr>
         <p:sp>
           <p:nvSpPr>
@@ -27011,8 +27034,8 @@
           </p:blipFill>
           <p:spPr>
             <a:xfrm>
-              <a:off x="6096000" y="3124200"/>
-              <a:ext cx="762000" cy="762000"/>
+              <a:off x="6172200" y="3200400"/>
+              <a:ext cx="685800" cy="685800"/>
             </a:xfrm>
             <a:prstGeom prst="rect">
               <a:avLst/>
@@ -27028,11 +27051,18 @@
         </p:nvGrpSpPr>
         <p:grpSpPr>
           <a:xfrm>
-            <a:off x="3200400" y="1524000"/>
+            <a:off x="3200400" y="1828800"/>
             <a:ext cx="1066800" cy="1295400"/>
             <a:chOff x="3200400" y="1524000"/>
             <a:chExt cx="1066800" cy="1295400"/>
           </a:xfrm>
+          <a:effectLst>
+            <a:outerShdw blurRad="50800" dist="38100" dir="5400000" algn="t" rotWithShape="0">
+              <a:prstClr val="black">
+                <a:alpha val="40000"/>
+              </a:prstClr>
+            </a:outerShdw>
+          </a:effectLst>
         </p:grpSpPr>
         <p:sp>
           <p:nvSpPr>
@@ -27156,8 +27186,8 @@
           </p:blipFill>
           <p:spPr>
             <a:xfrm>
-              <a:off x="3352800" y="1600200"/>
-              <a:ext cx="762000" cy="685800"/>
+              <a:off x="3429000" y="1676400"/>
+              <a:ext cx="609600" cy="548640"/>
             </a:xfrm>
             <a:prstGeom prst="rect">
               <a:avLst/>
@@ -27165,6 +27195,262 @@
           </p:spPr>
         </p:pic>
       </p:grpSp>
+      <p:sp>
+        <p:nvSpPr>
+          <p:cNvPr id="58" name="Rectangle 57"/>
+          <p:cNvSpPr/>
+          <p:nvPr/>
+        </p:nvSpPr>
+        <p:spPr>
+          <a:xfrm>
+            <a:off x="7391400" y="1752600"/>
+            <a:ext cx="1447800" cy="1905000"/>
+          </a:xfrm>
+          <a:prstGeom prst="rect">
+            <a:avLst/>
+          </a:prstGeom>
+          <a:solidFill>
+            <a:srgbClr val="FFFF8F"/>
+          </a:solidFill>
+          <a:ln w="3175">
+            <a:noFill/>
+          </a:ln>
+          <a:effectLst>
+            <a:outerShdw blurRad="107950" dist="12700" dir="5400000" algn="ctr">
+              <a:srgbClr val="000000"/>
+            </a:outerShdw>
+          </a:effectLst>
+          <a:scene3d>
+            <a:camera prst="orthographicFront">
+              <a:rot lat="0" lon="0" rev="0"/>
+            </a:camera>
+            <a:lightRig rig="soft" dir="t">
+              <a:rot lat="0" lon="0" rev="0"/>
+            </a:lightRig>
+          </a:scene3d>
+          <a:sp3d contourW="44450" prstMaterial="matte">
+            <a:bevelT w="63500" h="63500" prst="artDeco"/>
+            <a:contourClr>
+              <a:srgbClr val="FFFFFF"/>
+            </a:contourClr>
+          </a:sp3d>
+        </p:spPr>
+        <p:style>
+          <a:lnRef idx="2">
+            <a:schemeClr val="accent1">
+              <a:shade val="50000"/>
+            </a:schemeClr>
+          </a:lnRef>
+          <a:fillRef idx="1002">
+            <a:schemeClr val="dk1"/>
+          </a:fillRef>
+          <a:effectRef idx="0">
+            <a:schemeClr val="accent1"/>
+          </a:effectRef>
+          <a:fontRef idx="minor">
+            <a:schemeClr val="lt1"/>
+          </a:fontRef>
+        </p:style>
+        <p:txBody>
+          <a:bodyPr rtlCol="0" anchor="ctr"/>
+          <a:lstStyle/>
+          <a:p>
+            <a:pPr algn="ctr"/>
+            <a:endParaRPr lang="en-US"/>
+          </a:p>
+        </p:txBody>
+      </p:sp>
+      <p:sp>
+        <p:nvSpPr>
+          <p:cNvPr id="89" name="TextBox 88"/>
+          <p:cNvSpPr txBox="1"/>
+          <p:nvPr/>
+        </p:nvSpPr>
+        <p:spPr>
+          <a:xfrm>
+            <a:off x="7391400" y="2209800"/>
+            <a:ext cx="1447800" cy="523220"/>
+          </a:xfrm>
+          <a:prstGeom prst="rect">
+            <a:avLst/>
+          </a:prstGeom>
+          <a:noFill/>
+        </p:spPr>
+        <p:txBody>
+          <a:bodyPr wrap="square" rtlCol="0">
+            <a:spAutoFit/>
+          </a:bodyPr>
+          <a:lstStyle/>
+          <a:p>
+            <a:pPr algn="ctr"/>
+            <a:r>
+              <a:rPr lang="en-US" sz="1400" i="1" dirty="0" smtClean="0">
+                <a:solidFill>
+                  <a:srgbClr val="0000FF"/>
+                </a:solidFill>
+              </a:rPr>
+              <a:t>&lt;Display News - scroller&gt;</a:t>
+            </a:r>
+            <a:endParaRPr lang="en-US" sz="1400" i="1" dirty="0">
+              <a:solidFill>
+                <a:srgbClr val="0000FF"/>
+              </a:solidFill>
+            </a:endParaRPr>
+          </a:p>
+        </p:txBody>
+      </p:sp>
+      <p:pic>
+        <p:nvPicPr>
+          <p:cNvPr id="98" name="Picture 97" descr="Map-Marker-Push-Pin-1-Left-Azure-icon.png"/>
+          <p:cNvPicPr>
+            <a:picLocks noChangeAspect="1"/>
+          </p:cNvPicPr>
+          <p:nvPr/>
+        </p:nvPicPr>
+        <p:blipFill>
+          <a:blip r:embed="rId19" cstate="print"/>
+          <a:stretch>
+            <a:fillRect/>
+          </a:stretch>
+        </p:blipFill>
+        <p:spPr>
+          <a:xfrm>
+            <a:off x="7162800" y="1371600"/>
+            <a:ext cx="533400" cy="533400"/>
+          </a:xfrm>
+          <a:prstGeom prst="rect">
+            <a:avLst/>
+          </a:prstGeom>
+        </p:spPr>
+      </p:pic>
+      <p:sp>
+        <p:nvSpPr>
+          <p:cNvPr id="99" name="Rectangle 98"/>
+          <p:cNvSpPr/>
+          <p:nvPr/>
+        </p:nvSpPr>
+        <p:spPr>
+          <a:xfrm>
+            <a:off x="7391400" y="4114800"/>
+            <a:ext cx="1447800" cy="2057400"/>
+          </a:xfrm>
+          <a:prstGeom prst="rect">
+            <a:avLst/>
+          </a:prstGeom>
+          <a:solidFill>
+            <a:srgbClr val="FFFF8F"/>
+          </a:solidFill>
+          <a:ln w="3175">
+            <a:noFill/>
+          </a:ln>
+          <a:effectLst>
+            <a:outerShdw blurRad="107950" dist="12700" dir="5400000" algn="ctr">
+              <a:srgbClr val="000000"/>
+            </a:outerShdw>
+          </a:effectLst>
+          <a:scene3d>
+            <a:camera prst="orthographicFront">
+              <a:rot lat="0" lon="0" rev="0"/>
+            </a:camera>
+            <a:lightRig rig="soft" dir="t">
+              <a:rot lat="0" lon="0" rev="0"/>
+            </a:lightRig>
+          </a:scene3d>
+          <a:sp3d contourW="44450" prstMaterial="matte">
+            <a:bevelT w="63500" h="63500" prst="artDeco"/>
+            <a:contourClr>
+              <a:srgbClr val="FFFFFF"/>
+            </a:contourClr>
+          </a:sp3d>
+        </p:spPr>
+        <p:style>
+          <a:lnRef idx="2">
+            <a:schemeClr val="accent1">
+              <a:shade val="50000"/>
+            </a:schemeClr>
+          </a:lnRef>
+          <a:fillRef idx="1002">
+            <a:schemeClr val="dk1"/>
+          </a:fillRef>
+          <a:effectRef idx="0">
+            <a:schemeClr val="accent1"/>
+          </a:effectRef>
+          <a:fontRef idx="minor">
+            <a:schemeClr val="lt1"/>
+          </a:fontRef>
+        </p:style>
+        <p:txBody>
+          <a:bodyPr rtlCol="0" anchor="ctr"/>
+          <a:lstStyle/>
+          <a:p>
+            <a:pPr algn="ctr"/>
+            <a:endParaRPr lang="en-US"/>
+          </a:p>
+        </p:txBody>
+      </p:sp>
+      <p:pic>
+        <p:nvPicPr>
+          <p:cNvPr id="87" name="Picture 86" descr="Map-Marker-Push-Pin-1-Right-Azure-icon.png"/>
+          <p:cNvPicPr>
+            <a:picLocks noChangeAspect="1"/>
+          </p:cNvPicPr>
+          <p:nvPr/>
+        </p:nvPicPr>
+        <p:blipFill>
+          <a:blip r:embed="rId20" cstate="print"/>
+          <a:stretch>
+            <a:fillRect/>
+          </a:stretch>
+        </p:blipFill>
+        <p:spPr>
+          <a:xfrm>
+            <a:off x="8534400" y="3733800"/>
+            <a:ext cx="533400" cy="533400"/>
+          </a:xfrm>
+          <a:prstGeom prst="rect">
+            <a:avLst/>
+          </a:prstGeom>
+        </p:spPr>
+      </p:pic>
+      <p:sp>
+        <p:nvSpPr>
+          <p:cNvPr id="102" name="TextBox 101"/>
+          <p:cNvSpPr txBox="1"/>
+          <p:nvPr/>
+        </p:nvSpPr>
+        <p:spPr>
+          <a:xfrm>
+            <a:off x="7391400" y="4734580"/>
+            <a:ext cx="1447800" cy="523220"/>
+          </a:xfrm>
+          <a:prstGeom prst="rect">
+            <a:avLst/>
+          </a:prstGeom>
+          <a:noFill/>
+        </p:spPr>
+        <p:txBody>
+          <a:bodyPr wrap="square" rtlCol="0">
+            <a:spAutoFit/>
+          </a:bodyPr>
+          <a:lstStyle/>
+          <a:p>
+            <a:pPr algn="ctr"/>
+            <a:r>
+              <a:rPr lang="en-US" sz="1400" i="1" dirty="0" smtClean="0">
+                <a:solidFill>
+                  <a:srgbClr val="0000FF"/>
+                </a:solidFill>
+              </a:rPr>
+              <a:t>&lt;Display Notices - scroller&gt;</a:t>
+            </a:r>
+            <a:endParaRPr lang="en-US" sz="1400" i="1" dirty="0">
+              <a:solidFill>
+                <a:srgbClr val="0000FF"/>
+              </a:solidFill>
+            </a:endParaRPr>
+          </a:p>
+        </p:txBody>
+      </p:sp>
     </p:spTree>
   </p:cSld>
   <p:clrMapOvr>
